--- a/w2/l2/Mobile-and-Embedded-Computing-Lab2.pptx
+++ b/w2/l2/Mobile-and-Embedded-Computing-Lab2.pptx
@@ -5,15 +5,13 @@
     <p:sldMasterId id="2147483648" r:id="rId1"/>
   </p:sldMasterIdLst>
   <p:notesMasterIdLst>
-    <p:notesMasterId r:id="rId8"/>
+    <p:notesMasterId r:id="rId6"/>
   </p:notesMasterIdLst>
   <p:sldIdLst>
     <p:sldId id="256" r:id="rId2"/>
-    <p:sldId id="258" r:id="rId3"/>
-    <p:sldId id="261" r:id="rId4"/>
-    <p:sldId id="289" r:id="rId5"/>
-    <p:sldId id="287" r:id="rId6"/>
-    <p:sldId id="288" r:id="rId7"/>
+    <p:sldId id="288" r:id="rId3"/>
+    <p:sldId id="289" r:id="rId4"/>
+    <p:sldId id="290" r:id="rId5"/>
   </p:sldIdLst>
   <p:sldSz cx="12192000" cy="6858000"/>
   <p:notesSz cx="6858000" cy="9144000"/>
@@ -210,7 +208,7 @@
           <a:p>
             <a:fld id="{03371807-75D2-4B48-9BC1-C0791C7EACC9}" type="datetimeFigureOut">
               <a:rPr lang="en-US" smtClean="0"/>
-              <a:t>9/20/25</a:t>
+              <a:t>9/24/25</a:t>
             </a:fld>
             <a:endParaRPr lang="en-US"/>
           </a:p>
@@ -624,7 +622,7 @@
           <a:p>
             <a:fld id="{779551AF-0EE3-DD4B-B4EF-6D8229EA0D86}" type="datetimeFigureOut">
               <a:rPr lang="en-US" smtClean="0"/>
-              <a:t>9/20/25</a:t>
+              <a:t>9/24/25</a:t>
             </a:fld>
             <a:endParaRPr lang="en-US"/>
           </a:p>
@@ -822,7 +820,7 @@
           <a:p>
             <a:fld id="{779551AF-0EE3-DD4B-B4EF-6D8229EA0D86}" type="datetimeFigureOut">
               <a:rPr lang="en-US" smtClean="0"/>
-              <a:t>9/20/25</a:t>
+              <a:t>9/24/25</a:t>
             </a:fld>
             <a:endParaRPr lang="en-US"/>
           </a:p>
@@ -1030,7 +1028,7 @@
           <a:p>
             <a:fld id="{779551AF-0EE3-DD4B-B4EF-6D8229EA0D86}" type="datetimeFigureOut">
               <a:rPr lang="en-US" smtClean="0"/>
-              <a:t>9/20/25</a:t>
+              <a:t>9/24/25</a:t>
             </a:fld>
             <a:endParaRPr lang="en-US"/>
           </a:p>
@@ -1228,7 +1226,7 @@
           <a:p>
             <a:fld id="{779551AF-0EE3-DD4B-B4EF-6D8229EA0D86}" type="datetimeFigureOut">
               <a:rPr lang="en-US" smtClean="0"/>
-              <a:t>9/20/25</a:t>
+              <a:t>9/24/25</a:t>
             </a:fld>
             <a:endParaRPr lang="en-US"/>
           </a:p>
@@ -1503,7 +1501,7 @@
           <a:p>
             <a:fld id="{779551AF-0EE3-DD4B-B4EF-6D8229EA0D86}" type="datetimeFigureOut">
               <a:rPr lang="en-US" smtClean="0"/>
-              <a:t>9/20/25</a:t>
+              <a:t>9/24/25</a:t>
             </a:fld>
             <a:endParaRPr lang="en-US"/>
           </a:p>
@@ -1768,7 +1766,7 @@
           <a:p>
             <a:fld id="{779551AF-0EE3-DD4B-B4EF-6D8229EA0D86}" type="datetimeFigureOut">
               <a:rPr lang="en-US" smtClean="0"/>
-              <a:t>9/20/25</a:t>
+              <a:t>9/24/25</a:t>
             </a:fld>
             <a:endParaRPr lang="en-US"/>
           </a:p>
@@ -2180,7 +2178,7 @@
           <a:p>
             <a:fld id="{779551AF-0EE3-DD4B-B4EF-6D8229EA0D86}" type="datetimeFigureOut">
               <a:rPr lang="en-US" smtClean="0"/>
-              <a:t>9/20/25</a:t>
+              <a:t>9/24/25</a:t>
             </a:fld>
             <a:endParaRPr lang="en-US"/>
           </a:p>
@@ -2321,7 +2319,7 @@
           <a:p>
             <a:fld id="{779551AF-0EE3-DD4B-B4EF-6D8229EA0D86}" type="datetimeFigureOut">
               <a:rPr lang="en-US" smtClean="0"/>
-              <a:t>9/20/25</a:t>
+              <a:t>9/24/25</a:t>
             </a:fld>
             <a:endParaRPr lang="en-US"/>
           </a:p>
@@ -2434,7 +2432,7 @@
           <a:p>
             <a:fld id="{779551AF-0EE3-DD4B-B4EF-6D8229EA0D86}" type="datetimeFigureOut">
               <a:rPr lang="en-US" smtClean="0"/>
-              <a:t>9/20/25</a:t>
+              <a:t>9/24/25</a:t>
             </a:fld>
             <a:endParaRPr lang="en-US"/>
           </a:p>
@@ -2745,7 +2743,7 @@
           <a:p>
             <a:fld id="{779551AF-0EE3-DD4B-B4EF-6D8229EA0D86}" type="datetimeFigureOut">
               <a:rPr lang="en-US" smtClean="0"/>
-              <a:t>9/20/25</a:t>
+              <a:t>9/24/25</a:t>
             </a:fld>
             <a:endParaRPr lang="en-US"/>
           </a:p>
@@ -3033,7 +3031,7 @@
           <a:p>
             <a:fld id="{779551AF-0EE3-DD4B-B4EF-6D8229EA0D86}" type="datetimeFigureOut">
               <a:rPr lang="en-US" smtClean="0"/>
-              <a:t>9/20/25</a:t>
+              <a:t>9/24/25</a:t>
             </a:fld>
             <a:endParaRPr lang="en-US"/>
           </a:p>
@@ -3274,7 +3272,7 @@
           <a:p>
             <a:fld id="{779551AF-0EE3-DD4B-B4EF-6D8229EA0D86}" type="datetimeFigureOut">
               <a:rPr lang="en-US" smtClean="0"/>
-              <a:t>9/20/25</a:t>
+              <a:t>9/24/25</a:t>
             </a:fld>
             <a:endParaRPr lang="en-US"/>
           </a:p>
@@ -3752,7 +3750,7 @@
           <a:p>
             <a:r>
               <a:rPr lang="en-US" b="1" dirty="0"/>
-              <a:t>Laboratory 0. Orientation</a:t>
+              <a:t>Laboratory 2. Flutter Intro</a:t>
             </a:r>
           </a:p>
           <a:p>
@@ -3774,680 +3772,6 @@
 </file>
 
 <file path=ppt/slides/slide2.xml><?xml version="1.0" encoding="utf-8"?>
-<p:sld xmlns:a="http://schemas.openxmlformats.org/drawingml/2006/main" xmlns:r="http://schemas.openxmlformats.org/officeDocument/2006/relationships" xmlns:p="http://schemas.openxmlformats.org/presentationml/2006/main">
-  <p:cSld>
-    <p:spTree>
-      <p:nvGrpSpPr>
-        <p:cNvPr id="1" name=""/>
-        <p:cNvGrpSpPr/>
-        <p:nvPr/>
-      </p:nvGrpSpPr>
-      <p:grpSpPr>
-        <a:xfrm>
-          <a:off x="0" y="0"/>
-          <a:ext cx="0" cy="0"/>
-          <a:chOff x="0" y="0"/>
-          <a:chExt cx="0" cy="0"/>
-        </a:xfrm>
-      </p:grpSpPr>
-      <p:sp>
-        <p:nvSpPr>
-          <p:cNvPr id="3" name="Content Placeholder 2">
-            <a:extLst>
-              <a:ext uri="{FF2B5EF4-FFF2-40B4-BE49-F238E27FC236}">
-                <a16:creationId xmlns:a16="http://schemas.microsoft.com/office/drawing/2014/main" id="{EFF27E7B-5827-BBF6-FBA1-991606DB03CB}"/>
-              </a:ext>
-            </a:extLst>
-          </p:cNvPr>
-          <p:cNvSpPr>
-            <a:spLocks noGrp="1"/>
-          </p:cNvSpPr>
-          <p:nvPr>
-            <p:ph idx="1"/>
-          </p:nvPr>
-        </p:nvSpPr>
-        <p:spPr>
-          <a:xfrm>
-            <a:off x="838200" y="769122"/>
-            <a:ext cx="10515600" cy="5407842"/>
-          </a:xfrm>
-        </p:spPr>
-        <p:txBody>
-          <a:bodyPr>
-            <a:normAutofit fontScale="92500"/>
-          </a:bodyPr>
-          <a:lstStyle/>
-          <a:p>
-            <a:pPr marL="0" lvl="0" indent="0">
-              <a:buNone/>
-            </a:pPr>
-            <a:r>
-              <a:rPr lang="en-US" sz="3500" b="1" dirty="0">
-                <a:cs typeface="Al Bayan Plain" pitchFamily="2" charset="-78"/>
-              </a:rPr>
-              <a:t>Ing. Dinu-Ștefan RUSU</a:t>
-            </a:r>
-          </a:p>
-          <a:p>
-            <a:pPr marL="0" lvl="0" indent="0">
-              <a:buNone/>
-            </a:pPr>
-            <a:endParaRPr lang="en-US" dirty="0">
-              <a:cs typeface="Al Bayan Plain" pitchFamily="2" charset="-78"/>
-              <a:sym typeface="Archivo"/>
-            </a:endParaRPr>
-          </a:p>
-          <a:p>
-            <a:pPr marL="0" lvl="0" indent="0">
-              <a:buNone/>
-            </a:pPr>
-            <a:r>
-              <a:rPr lang="en-US" dirty="0">
-                <a:cs typeface="Al Bayan Plain" pitchFamily="2" charset="-78"/>
-                <a:sym typeface="Archivo"/>
-              </a:rPr>
-              <a:t>You can contact me on:</a:t>
-            </a:r>
-          </a:p>
-          <a:p>
-            <a:pPr lvl="0"/>
-            <a:r>
-              <a:rPr lang="en-US" dirty="0">
-                <a:ea typeface="Archivo"/>
-                <a:cs typeface="Archivo"/>
-                <a:sym typeface="Archivo"/>
-                <a:hlinkClick r:id="rId2">
-                  <a:extLst>
-                    <a:ext uri="{A12FA001-AC4F-418D-AE19-62706E023703}">
-                      <ahyp:hlinkClr xmlns:ahyp="http://schemas.microsoft.com/office/drawing/2018/hyperlinkcolor" val="tx"/>
-                    </a:ext>
-                  </a:extLst>
-                </a:hlinkClick>
-              </a:rPr>
-              <a:t>dinu_stefan.rusu@upb.ro</a:t>
-            </a:r>
-            <a:endParaRPr lang="en-US" dirty="0">
-              <a:ea typeface="Archivo"/>
-              <a:cs typeface="Archivo"/>
-              <a:sym typeface="Archivo"/>
-            </a:endParaRPr>
-          </a:p>
-          <a:p>
-            <a:pPr lvl="0"/>
-            <a:r>
-              <a:rPr lang="en-US" dirty="0">
-                <a:ea typeface="Archivo"/>
-                <a:cs typeface="Archivo"/>
-                <a:sym typeface="Archivo"/>
-              </a:rPr>
-              <a:t>Teams</a:t>
-            </a:r>
-          </a:p>
-          <a:p>
-            <a:pPr lvl="0"/>
-            <a:endParaRPr lang="en-US" dirty="0">
-              <a:ea typeface="Archivo"/>
-              <a:cs typeface="Archivo"/>
-              <a:sym typeface="Archivo"/>
-            </a:endParaRPr>
-          </a:p>
-          <a:p>
-            <a:pPr marL="0" lvl="0" indent="0">
-              <a:buNone/>
-            </a:pPr>
-            <a:r>
-              <a:rPr lang="en-US" dirty="0">
-                <a:ea typeface="Archivo"/>
-                <a:cs typeface="Archivo"/>
-                <a:sym typeface="Archivo"/>
-              </a:rPr>
-              <a:t>Senior Engineer @ Dell					[Kotlin, Spring Boot]</a:t>
-            </a:r>
-          </a:p>
-          <a:p>
-            <a:pPr marL="0" lvl="0" indent="0">
-              <a:buNone/>
-            </a:pPr>
-            <a:endParaRPr lang="en-US" dirty="0">
-              <a:ea typeface="Archivo"/>
-              <a:cs typeface="Archivo"/>
-              <a:sym typeface="Archivo"/>
-            </a:endParaRPr>
-          </a:p>
-          <a:p>
-            <a:pPr marL="0" lvl="0" indent="0">
-              <a:buNone/>
-            </a:pPr>
-            <a:r>
-              <a:rPr lang="en-US" dirty="0">
-                <a:ea typeface="Archivo"/>
-                <a:cs typeface="Archivo"/>
-                <a:sym typeface="Archivo"/>
-              </a:rPr>
-              <a:t>45+ Launched apps on Google Play &amp; App Store	[Flutter, Java]</a:t>
-            </a:r>
-          </a:p>
-          <a:p>
-            <a:pPr marL="0" lvl="0" indent="0">
-              <a:buNone/>
-            </a:pPr>
-            <a:r>
-              <a:rPr lang="en-US" dirty="0">
-                <a:ea typeface="Archivo"/>
-                <a:cs typeface="Archivo"/>
-                <a:sym typeface="Archivo"/>
-              </a:rPr>
-              <a:t>Speaker at </a:t>
-            </a:r>
-            <a:r>
-              <a:rPr lang="en-US" dirty="0" err="1">
-                <a:ea typeface="Archivo"/>
-                <a:cs typeface="Archivo"/>
-                <a:sym typeface="Archivo"/>
-              </a:rPr>
-              <a:t>DevTalks</a:t>
-            </a:r>
-            <a:r>
-              <a:rPr lang="en-US" dirty="0">
-                <a:ea typeface="Archivo"/>
-                <a:cs typeface="Archivo"/>
-                <a:sym typeface="Archivo"/>
-              </a:rPr>
-              <a:t> 2025 – Scaling Flutter to 100k MAU as a solo dev</a:t>
-            </a:r>
-            <a:endParaRPr lang="en-US" dirty="0"/>
-          </a:p>
-          <a:p>
-            <a:endParaRPr lang="en-US" dirty="0"/>
-          </a:p>
-        </p:txBody>
-      </p:sp>
-    </p:spTree>
-    <p:extLst>
-      <p:ext uri="{BB962C8B-B14F-4D97-AF65-F5344CB8AC3E}">
-        <p14:creationId xmlns:p14="http://schemas.microsoft.com/office/powerpoint/2010/main" val="1418232750"/>
-      </p:ext>
-    </p:extLst>
-  </p:cSld>
-  <p:clrMapOvr>
-    <a:masterClrMapping/>
-  </p:clrMapOvr>
-</p:sld>
-</file>
-
-<file path=ppt/slides/slide3.xml><?xml version="1.0" encoding="utf-8"?>
-<p:sld xmlns:a="http://schemas.openxmlformats.org/drawingml/2006/main" xmlns:r="http://schemas.openxmlformats.org/officeDocument/2006/relationships" xmlns:p="http://schemas.openxmlformats.org/presentationml/2006/main">
-  <p:cSld>
-    <p:spTree>
-      <p:nvGrpSpPr>
-        <p:cNvPr id="1" name="">
-          <a:extLst>
-            <a:ext uri="{FF2B5EF4-FFF2-40B4-BE49-F238E27FC236}">
-              <a16:creationId xmlns:a16="http://schemas.microsoft.com/office/drawing/2014/main" id="{7DD4729C-B494-5D82-26F9-CD9BEF45B6D1}"/>
-            </a:ext>
-          </a:extLst>
-        </p:cNvPr>
-        <p:cNvGrpSpPr/>
-        <p:nvPr/>
-      </p:nvGrpSpPr>
-      <p:grpSpPr>
-        <a:xfrm>
-          <a:off x="0" y="0"/>
-          <a:ext cx="0" cy="0"/>
-          <a:chOff x="0" y="0"/>
-          <a:chExt cx="0" cy="0"/>
-        </a:xfrm>
-      </p:grpSpPr>
-      <p:sp>
-        <p:nvSpPr>
-          <p:cNvPr id="2" name="Title 1">
-            <a:extLst>
-              <a:ext uri="{FF2B5EF4-FFF2-40B4-BE49-F238E27FC236}">
-                <a16:creationId xmlns:a16="http://schemas.microsoft.com/office/drawing/2014/main" id="{2F4ACD31-2D09-6AF7-4D4D-05C5A31065B5}"/>
-              </a:ext>
-            </a:extLst>
-          </p:cNvPr>
-          <p:cNvSpPr>
-            <a:spLocks noGrp="1"/>
-          </p:cNvSpPr>
-          <p:nvPr>
-            <p:ph type="title"/>
-          </p:nvPr>
-        </p:nvSpPr>
-        <p:spPr/>
-        <p:txBody>
-          <a:bodyPr/>
-          <a:lstStyle/>
-          <a:p>
-            <a:r>
-              <a:rPr lang="en-US" dirty="0"/>
-              <a:t>Grading – 4P</a:t>
-            </a:r>
-          </a:p>
-        </p:txBody>
-      </p:sp>
-      <p:sp>
-        <p:nvSpPr>
-          <p:cNvPr id="3" name="Content Placeholder 2">
-            <a:extLst>
-              <a:ext uri="{FF2B5EF4-FFF2-40B4-BE49-F238E27FC236}">
-                <a16:creationId xmlns:a16="http://schemas.microsoft.com/office/drawing/2014/main" id="{1B02D55B-00A3-BCFD-7F3F-37A8F2FA5942}"/>
-              </a:ext>
-            </a:extLst>
-          </p:cNvPr>
-          <p:cNvSpPr>
-            <a:spLocks noGrp="1"/>
-          </p:cNvSpPr>
-          <p:nvPr>
-            <p:ph idx="1"/>
-          </p:nvPr>
-        </p:nvSpPr>
-        <p:spPr/>
-        <p:txBody>
-          <a:bodyPr>
-            <a:normAutofit lnSpcReduction="10000"/>
-          </a:bodyPr>
-          <a:lstStyle/>
-          <a:p>
-            <a:pPr marL="158750" lvl="0" indent="0">
-              <a:lnSpc>
-                <a:spcPct val="100000"/>
-              </a:lnSpc>
-              <a:buClr>
-                <a:schemeClr val="lt1"/>
-              </a:buClr>
-              <a:buNone/>
-            </a:pPr>
-            <a:r>
-              <a:rPr lang="en-US" dirty="0"/>
-              <a:t>Hands-on Flutter exercises</a:t>
-            </a:r>
-          </a:p>
-          <a:p>
-            <a:pPr marL="158750" lvl="0" indent="0">
-              <a:lnSpc>
-                <a:spcPct val="100000"/>
-              </a:lnSpc>
-              <a:buClr>
-                <a:schemeClr val="lt1"/>
-              </a:buClr>
-              <a:buNone/>
-            </a:pPr>
-            <a:r>
-              <a:rPr lang="en-US" dirty="0"/>
-              <a:t>4 Milestones:</a:t>
-            </a:r>
-          </a:p>
-          <a:p>
-            <a:pPr marL="158750" lvl="0" indent="0">
-              <a:lnSpc>
-                <a:spcPct val="100000"/>
-              </a:lnSpc>
-              <a:buClr>
-                <a:schemeClr val="lt1"/>
-              </a:buClr>
-              <a:buNone/>
-            </a:pPr>
-            <a:r>
-              <a:rPr lang="en-US" dirty="0"/>
-              <a:t>	1. Build basic UI with mocked data (0.5p)</a:t>
-            </a:r>
-          </a:p>
-          <a:p>
-            <a:pPr marL="158750" lvl="0" indent="0">
-              <a:lnSpc>
-                <a:spcPct val="100000"/>
-              </a:lnSpc>
-              <a:buClr>
-                <a:schemeClr val="lt1"/>
-              </a:buClr>
-              <a:buNone/>
-            </a:pPr>
-            <a:r>
-              <a:rPr lang="en-US" dirty="0"/>
-              <a:t>	2. Integrate with the provided API (0.5p)</a:t>
-            </a:r>
-          </a:p>
-          <a:p>
-            <a:pPr marL="158750" lvl="0" indent="0">
-              <a:lnSpc>
-                <a:spcPct val="100000"/>
-              </a:lnSpc>
-              <a:buClr>
-                <a:schemeClr val="lt1"/>
-              </a:buClr>
-              <a:buNone/>
-            </a:pPr>
-            <a:r>
-              <a:rPr lang="en-US" dirty="0"/>
-              <a:t>	3. State management &amp; Offline first (1p)</a:t>
-            </a:r>
-          </a:p>
-          <a:p>
-            <a:pPr marL="158750" lvl="0" indent="0">
-              <a:lnSpc>
-                <a:spcPct val="100000"/>
-              </a:lnSpc>
-              <a:buClr>
-                <a:schemeClr val="lt1"/>
-              </a:buClr>
-              <a:buNone/>
-            </a:pPr>
-            <a:r>
-              <a:rPr lang="en-US" dirty="0"/>
-              <a:t>	4. Final presentation (2p)</a:t>
-            </a:r>
-          </a:p>
-          <a:p>
-            <a:pPr marL="158750" lvl="0" indent="0">
-              <a:lnSpc>
-                <a:spcPct val="100000"/>
-              </a:lnSpc>
-              <a:buClr>
-                <a:schemeClr val="lt1"/>
-              </a:buClr>
-              <a:buNone/>
-            </a:pPr>
-            <a:r>
-              <a:rPr lang="en-US" dirty="0"/>
-              <a:t>These milestones may be solved individually or in a team of maximum 3 persons. Each contributor will be graded individually, based on their input to the developed application.</a:t>
-            </a:r>
-          </a:p>
-        </p:txBody>
-      </p:sp>
-    </p:spTree>
-    <p:extLst>
-      <p:ext uri="{BB962C8B-B14F-4D97-AF65-F5344CB8AC3E}">
-        <p14:creationId xmlns:p14="http://schemas.microsoft.com/office/powerpoint/2010/main" val="3108798499"/>
-      </p:ext>
-    </p:extLst>
-  </p:cSld>
-  <p:clrMapOvr>
-    <a:masterClrMapping/>
-  </p:clrMapOvr>
-</p:sld>
-</file>
-
-<file path=ppt/slides/slide4.xml><?xml version="1.0" encoding="utf-8"?>
-<p:sld xmlns:a="http://schemas.openxmlformats.org/drawingml/2006/main" xmlns:r="http://schemas.openxmlformats.org/officeDocument/2006/relationships" xmlns:p="http://schemas.openxmlformats.org/presentationml/2006/main">
-  <p:cSld>
-    <p:spTree>
-      <p:nvGrpSpPr>
-        <p:cNvPr id="1" name="">
-          <a:extLst>
-            <a:ext uri="{FF2B5EF4-FFF2-40B4-BE49-F238E27FC236}">
-              <a16:creationId xmlns:a16="http://schemas.microsoft.com/office/drawing/2014/main" id="{F99F9A68-DD75-FF5C-2F5F-7C21254D6027}"/>
-            </a:ext>
-          </a:extLst>
-        </p:cNvPr>
-        <p:cNvGrpSpPr/>
-        <p:nvPr/>
-      </p:nvGrpSpPr>
-      <p:grpSpPr>
-        <a:xfrm>
-          <a:off x="0" y="0"/>
-          <a:ext cx="0" cy="0"/>
-          <a:chOff x="0" y="0"/>
-          <a:chExt cx="0" cy="0"/>
-        </a:xfrm>
-      </p:grpSpPr>
-      <p:sp>
-        <p:nvSpPr>
-          <p:cNvPr id="5" name="TextBox 4">
-            <a:extLst>
-              <a:ext uri="{FF2B5EF4-FFF2-40B4-BE49-F238E27FC236}">
-                <a16:creationId xmlns:a16="http://schemas.microsoft.com/office/drawing/2014/main" id="{3C2F4160-1111-F018-E433-0C5317B25DEB}"/>
-              </a:ext>
-            </a:extLst>
-          </p:cNvPr>
-          <p:cNvSpPr txBox="1"/>
-          <p:nvPr/>
-        </p:nvSpPr>
-        <p:spPr>
-          <a:xfrm>
-            <a:off x="827186" y="612844"/>
-            <a:ext cx="10537627" cy="5632311"/>
-          </a:xfrm>
-          <a:prstGeom prst="rect">
-            <a:avLst/>
-          </a:prstGeom>
-          <a:noFill/>
-        </p:spPr>
-        <p:txBody>
-          <a:bodyPr wrap="square" rtlCol="0">
-            <a:spAutoFit/>
-          </a:bodyPr>
-          <a:lstStyle/>
-          <a:p>
-            <a:pPr>
-              <a:buFont typeface="Wingdings" pitchFamily="2" charset="2"/>
-              <a:buChar char="Ø"/>
-            </a:pPr>
-            <a:r>
-              <a:rPr lang="en-US" sz="2400" dirty="0"/>
-              <a:t> Projects MUST be developed on GitHub</a:t>
-            </a:r>
-          </a:p>
-          <a:p>
-            <a:pPr>
-              <a:buFont typeface="Wingdings" pitchFamily="2" charset="2"/>
-              <a:buChar char="Ø"/>
-            </a:pPr>
-            <a:r>
-              <a:rPr lang="en-US" sz="2400" dirty="0"/>
-              <a:t> The application MUST be written in Flutter</a:t>
-            </a:r>
-          </a:p>
-          <a:p>
-            <a:pPr>
-              <a:buFont typeface="Wingdings" pitchFamily="2" charset="2"/>
-              <a:buChar char="Ø"/>
-            </a:pPr>
-            <a:r>
-              <a:rPr lang="en-US" sz="2400" dirty="0"/>
-              <a:t> The way of working will also be marked (Pull Requests, Branches, Code reviews, etc.)</a:t>
-            </a:r>
-          </a:p>
-          <a:p>
-            <a:pPr>
-              <a:buFont typeface="Wingdings" pitchFamily="2" charset="2"/>
-              <a:buChar char="Ø"/>
-            </a:pPr>
-            <a:r>
-              <a:rPr lang="en-US" sz="2400" dirty="0"/>
-              <a:t> Individual participation will be measured based on Commits and Lines of Code, as well as the quality of the code written. Each team member should know in detail what he has implemented and have at least a brief awareness of the other parts of the project</a:t>
-            </a:r>
-          </a:p>
-          <a:p>
-            <a:pPr>
-              <a:buFont typeface="Wingdings" pitchFamily="2" charset="2"/>
-              <a:buChar char="Ø"/>
-            </a:pPr>
-            <a:r>
-              <a:rPr lang="en-US" sz="2400" dirty="0"/>
-              <a:t> The readme MUST contain the following sections (in this order):</a:t>
-            </a:r>
-          </a:p>
-          <a:p>
-            <a:pPr lvl="1">
-              <a:buFont typeface="Wingdings" pitchFamily="2" charset="2"/>
-              <a:buChar char="Ø"/>
-            </a:pPr>
-            <a:r>
-              <a:rPr lang="en-US" sz="2400" dirty="0"/>
-              <a:t> </a:t>
-            </a:r>
-            <a:r>
-              <a:rPr lang="en-US" sz="2400" b="1" dirty="0"/>
-              <a:t>Team composition</a:t>
-            </a:r>
-            <a:r>
-              <a:rPr lang="en-US" sz="2400" dirty="0"/>
-              <a:t>, 1 person / row (Name, Surname, Group)</a:t>
-            </a:r>
-          </a:p>
-          <a:p>
-            <a:pPr lvl="1">
-              <a:buFont typeface="Wingdings" pitchFamily="2" charset="2"/>
-              <a:buChar char="Ø"/>
-            </a:pPr>
-            <a:r>
-              <a:rPr lang="en-US" sz="2400" dirty="0"/>
-              <a:t> </a:t>
-            </a:r>
-            <a:r>
-              <a:rPr lang="en-US" sz="2400" b="1" dirty="0"/>
-              <a:t>Project description </a:t>
-            </a:r>
-            <a:r>
-              <a:rPr lang="en-US" sz="2400" dirty="0"/>
-              <a:t>(brief)</a:t>
-            </a:r>
-            <a:r>
-              <a:rPr lang="en-US" sz="2400" b="1" dirty="0"/>
-              <a:t> </a:t>
-            </a:r>
-            <a:r>
-              <a:rPr lang="en-US" sz="2400" dirty="0"/>
-              <a:t>of the implemented app (what it does, what ‘screens’ it has,  etc.)</a:t>
-            </a:r>
-          </a:p>
-          <a:p>
-            <a:pPr lvl="1">
-              <a:buFont typeface="Wingdings" pitchFamily="2" charset="2"/>
-              <a:buChar char="Ø"/>
-            </a:pPr>
-            <a:r>
-              <a:rPr lang="en-US" sz="2400" dirty="0"/>
-              <a:t> </a:t>
-            </a:r>
-            <a:r>
-              <a:rPr lang="en-US" sz="2400" b="1" dirty="0"/>
-              <a:t>Other information </a:t>
-            </a:r>
-            <a:r>
-              <a:rPr lang="en-US" sz="2400" dirty="0"/>
-              <a:t>(anything else you would like to mention)</a:t>
-            </a:r>
-          </a:p>
-          <a:p>
-            <a:pPr>
-              <a:buFont typeface="Wingdings" pitchFamily="2" charset="2"/>
-              <a:buChar char="Ø"/>
-            </a:pPr>
-            <a:r>
-              <a:rPr lang="en-US" sz="2400" b="1" dirty="0"/>
-              <a:t> </a:t>
-            </a:r>
-            <a:r>
-              <a:rPr lang="en-US" sz="2400" dirty="0"/>
-              <a:t>The final presentation will be a live demo accompanied by slides, and must not take more than 15 minutes / team</a:t>
-            </a:r>
-            <a:endParaRPr lang="en-US" sz="2400" b="1" dirty="0"/>
-          </a:p>
-        </p:txBody>
-      </p:sp>
-    </p:spTree>
-    <p:extLst>
-      <p:ext uri="{BB962C8B-B14F-4D97-AF65-F5344CB8AC3E}">
-        <p14:creationId xmlns:p14="http://schemas.microsoft.com/office/powerpoint/2010/main" val="2875309817"/>
-      </p:ext>
-    </p:extLst>
-  </p:cSld>
-  <p:clrMapOvr>
-    <a:masterClrMapping/>
-  </p:clrMapOvr>
-</p:sld>
-</file>
-
-<file path=ppt/slides/slide5.xml><?xml version="1.0" encoding="utf-8"?>
-<p:sld xmlns:a="http://schemas.openxmlformats.org/drawingml/2006/main" xmlns:r="http://schemas.openxmlformats.org/officeDocument/2006/relationships" xmlns:p="http://schemas.openxmlformats.org/presentationml/2006/main">
-  <p:cSld>
-    <p:bg>
-      <p:bgPr>
-        <a:blipFill dpi="0" rotWithShape="1">
-          <a:blip r:embed="rId2">
-            <a:alphaModFix amt="20000"/>
-            <a:lum/>
-          </a:blip>
-          <a:srcRect/>
-          <a:stretch>
-            <a:fillRect/>
-          </a:stretch>
-        </a:blipFill>
-        <a:effectLst/>
-      </p:bgPr>
-    </p:bg>
-    <p:spTree>
-      <p:nvGrpSpPr>
-        <p:cNvPr id="1" name="">
-          <a:extLst>
-            <a:ext uri="{FF2B5EF4-FFF2-40B4-BE49-F238E27FC236}">
-              <a16:creationId xmlns:a16="http://schemas.microsoft.com/office/drawing/2014/main" id="{9A2D7A26-8EDA-FEF6-952A-1FD6F1048C59}"/>
-            </a:ext>
-          </a:extLst>
-        </p:cNvPr>
-        <p:cNvGrpSpPr/>
-        <p:nvPr/>
-      </p:nvGrpSpPr>
-      <p:grpSpPr>
-        <a:xfrm>
-          <a:off x="0" y="0"/>
-          <a:ext cx="0" cy="0"/>
-          <a:chOff x="0" y="0"/>
-          <a:chExt cx="0" cy="0"/>
-        </a:xfrm>
-      </p:grpSpPr>
-      <p:sp>
-        <p:nvSpPr>
-          <p:cNvPr id="2" name="Title 1">
-            <a:extLst>
-              <a:ext uri="{FF2B5EF4-FFF2-40B4-BE49-F238E27FC236}">
-                <a16:creationId xmlns:a16="http://schemas.microsoft.com/office/drawing/2014/main" id="{F1FFD930-C568-1515-DD9E-887607240122}"/>
-              </a:ext>
-            </a:extLst>
-          </p:cNvPr>
-          <p:cNvSpPr>
-            <a:spLocks noGrp="1"/>
-          </p:cNvSpPr>
-          <p:nvPr>
-            <p:ph type="ctrTitle"/>
-          </p:nvPr>
-        </p:nvSpPr>
-        <p:spPr>
-          <a:xfrm>
-            <a:off x="1524000" y="2235200"/>
-            <a:ext cx="9144000" cy="2387600"/>
-          </a:xfrm>
-        </p:spPr>
-        <p:txBody>
-          <a:bodyPr/>
-          <a:lstStyle/>
-          <a:p>
-            <a:r>
-              <a:rPr lang="en-US" b="1" dirty="0">
-                <a:cs typeface="Al Bayan Plain" pitchFamily="2" charset="-78"/>
-              </a:rPr>
-              <a:t>Laboratory 1. Platforms &amp; Technology</a:t>
-            </a:r>
-            <a:endParaRPr lang="en-US" b="1" dirty="0"/>
-          </a:p>
-        </p:txBody>
-      </p:sp>
-    </p:spTree>
-    <p:extLst>
-      <p:ext uri="{BB962C8B-B14F-4D97-AF65-F5344CB8AC3E}">
-        <p14:creationId xmlns:p14="http://schemas.microsoft.com/office/powerpoint/2010/main" val="1180213317"/>
-      </p:ext>
-    </p:extLst>
-  </p:cSld>
-  <p:clrMapOvr>
-    <a:masterClrMapping/>
-  </p:clrMapOvr>
-</p:sld>
-</file>
-
-<file path=ppt/slides/slide6.xml><?xml version="1.0" encoding="utf-8"?>
 <p:sld xmlns:a="http://schemas.openxmlformats.org/drawingml/2006/main" xmlns:r="http://schemas.openxmlformats.org/officeDocument/2006/relationships" xmlns:p="http://schemas.openxmlformats.org/presentationml/2006/main">
   <p:cSld>
     <p:spTree>
@@ -4498,7 +3822,7 @@
           <a:p>
             <a:r>
               <a:rPr lang="en-US" dirty="0"/>
-              <a:t>Tasks</a:t>
+              <a:t>Task I - Users</a:t>
             </a:r>
           </a:p>
         </p:txBody>
@@ -4518,7 +3842,7 @@
         <p:spPr>
           <a:xfrm>
             <a:off x="903006" y="1541721"/>
-            <a:ext cx="10537627" cy="3970318"/>
+            <a:ext cx="10537627" cy="3785652"/>
           </a:xfrm>
           <a:prstGeom prst="rect">
             <a:avLst/>
@@ -4531,13 +3855,47 @@
           </a:bodyPr>
           <a:lstStyle/>
           <a:p>
-            <a:pPr>
-              <a:buFont typeface="Wingdings" pitchFamily="2" charset="2"/>
-              <a:buChar char="Ø"/>
+            <a:r>
+              <a:rPr lang="en-US" sz="2400" dirty="0"/>
+              <a:t>In the ‘default’ Flutter project, do the following:</a:t>
+            </a:r>
+          </a:p>
+          <a:p>
+            <a:pPr marL="971550" lvl="1" indent="-514350">
+              <a:buFont typeface="+mj-lt"/>
+              <a:buAutoNum type="arabicPeriod"/>
             </a:pPr>
             <a:r>
-              <a:rPr lang="en-US" sz="2800" dirty="0"/>
-              <a:t> Set-up Flutter and your development environment</a:t>
+              <a:rPr lang="en-US" sz="2400" dirty="0"/>
+              <a:t> Create a User class with properties: String name, int? age, and String? email</a:t>
+            </a:r>
+          </a:p>
+          <a:p>
+            <a:pPr marL="971550" lvl="1" indent="-514350">
+              <a:buFont typeface="+mj-lt"/>
+              <a:buAutoNum type="arabicPeriod"/>
+            </a:pPr>
+            <a:r>
+              <a:rPr lang="en-US" sz="2400" dirty="0"/>
+              <a:t> In your main widget, create instances of User with different combinations of null and non-null values</a:t>
+            </a:r>
+          </a:p>
+          <a:p>
+            <a:pPr marL="971550" lvl="1" indent="-514350">
+              <a:buFont typeface="+mj-lt"/>
+              <a:buAutoNum type="arabicPeriod"/>
+            </a:pPr>
+            <a:r>
+              <a:rPr lang="en-US" sz="2400" dirty="0"/>
+              <a:t> Display user information safely, showing "Not provided" for null values Implement a method </a:t>
+            </a:r>
+            <a:r>
+              <a:rPr lang="en-US" sz="2400" dirty="0" err="1"/>
+              <a:t>getDisplayAge</a:t>
+            </a:r>
+            <a:r>
+              <a:rPr lang="en-US" sz="2400" dirty="0"/>
+              <a:t>() that returns "Age not specified" when age is null, otherwise returns the age as a string</a:t>
             </a:r>
           </a:p>
           <a:p>
@@ -4545,60 +3903,14 @@
               <a:buFont typeface="Wingdings" pitchFamily="2" charset="2"/>
               <a:buChar char="Ø"/>
             </a:pPr>
-            <a:r>
-              <a:rPr lang="en-US" sz="2800" dirty="0"/>
-              <a:t> You should install Flutter by following the documentation (</a:t>
-            </a:r>
-            <a:r>
-              <a:rPr lang="en-US" sz="2800" dirty="0">
-                <a:hlinkClick r:id="rId2"/>
-              </a:rPr>
-              <a:t>https://docs.flutter.dev/install</a:t>
-            </a:r>
-            <a:r>
-              <a:rPr lang="en-US" sz="2800" dirty="0"/>
-              <a:t>)</a:t>
-            </a:r>
+            <a:endParaRPr lang="en-US" sz="2400" dirty="0"/>
           </a:p>
           <a:p>
             <a:pPr lvl="1">
               <a:buFont typeface="Wingdings" pitchFamily="2" charset="2"/>
               <a:buChar char="Ø"/>
             </a:pPr>
-            <a:r>
-              <a:rPr lang="en-US" sz="2800" dirty="0"/>
-              <a:t> You will need Android Studio / Xcode</a:t>
-            </a:r>
-          </a:p>
-          <a:p>
-            <a:pPr lvl="1">
-              <a:buFont typeface="Wingdings" pitchFamily="2" charset="2"/>
-              <a:buChar char="Ø"/>
-            </a:pPr>
-            <a:r>
-              <a:rPr lang="en-US" sz="2800" dirty="0"/>
-              <a:t> You will need IntelliJ to write the code (with the Flutter and Dart plugins)</a:t>
-            </a:r>
-          </a:p>
-          <a:p>
-            <a:pPr>
-              <a:buFont typeface="Wingdings" pitchFamily="2" charset="2"/>
-              <a:buChar char="Ø"/>
-            </a:pPr>
-            <a:r>
-              <a:rPr lang="en-US" sz="2800" dirty="0"/>
-              <a:t> Validate development environment by creating and running the default Flutter project</a:t>
-            </a:r>
-          </a:p>
-          <a:p>
-            <a:pPr>
-              <a:buFont typeface="Wingdings" pitchFamily="2" charset="2"/>
-              <a:buChar char="Ø"/>
-            </a:pPr>
-            <a:r>
-              <a:rPr lang="en-US" sz="2800" dirty="0"/>
-              <a:t> Organize in teams of maximum 3 for completing the milestones</a:t>
-            </a:r>
+            <a:endParaRPr lang="en-US" sz="2400" dirty="0"/>
           </a:p>
         </p:txBody>
       </p:sp>
@@ -4606,6 +3918,535 @@
     <p:extLst>
       <p:ext uri="{BB962C8B-B14F-4D97-AF65-F5344CB8AC3E}">
         <p14:creationId xmlns:p14="http://schemas.microsoft.com/office/powerpoint/2010/main" val="1827042140"/>
+      </p:ext>
+    </p:extLst>
+  </p:cSld>
+  <p:clrMapOvr>
+    <a:masterClrMapping/>
+  </p:clrMapOvr>
+</p:sld>
+</file>
+
+<file path=ppt/slides/slide3.xml><?xml version="1.0" encoding="utf-8"?>
+<p:sld xmlns:a="http://schemas.openxmlformats.org/drawingml/2006/main" xmlns:r="http://schemas.openxmlformats.org/officeDocument/2006/relationships" xmlns:p="http://schemas.openxmlformats.org/presentationml/2006/main">
+  <p:cSld>
+    <p:spTree>
+      <p:nvGrpSpPr>
+        <p:cNvPr id="1" name="">
+          <a:extLst>
+            <a:ext uri="{FF2B5EF4-FFF2-40B4-BE49-F238E27FC236}">
+              <a16:creationId xmlns:a16="http://schemas.microsoft.com/office/drawing/2014/main" id="{B219230B-5629-158E-724B-503E57D50139}"/>
+            </a:ext>
+          </a:extLst>
+        </p:cNvPr>
+        <p:cNvGrpSpPr/>
+        <p:nvPr/>
+      </p:nvGrpSpPr>
+      <p:grpSpPr>
+        <a:xfrm>
+          <a:off x="0" y="0"/>
+          <a:ext cx="0" cy="0"/>
+          <a:chOff x="0" y="0"/>
+          <a:chExt cx="0" cy="0"/>
+        </a:xfrm>
+      </p:grpSpPr>
+      <p:sp>
+        <p:nvSpPr>
+          <p:cNvPr id="2" name="Title 1">
+            <a:extLst>
+              <a:ext uri="{FF2B5EF4-FFF2-40B4-BE49-F238E27FC236}">
+                <a16:creationId xmlns:a16="http://schemas.microsoft.com/office/drawing/2014/main" id="{C0885C19-766E-BC40-AF52-67F8EF8F6A09}"/>
+              </a:ext>
+            </a:extLst>
+          </p:cNvPr>
+          <p:cNvSpPr>
+            <a:spLocks noGrp="1"/>
+          </p:cNvSpPr>
+          <p:nvPr>
+            <p:ph type="title"/>
+          </p:nvPr>
+        </p:nvSpPr>
+        <p:spPr>
+          <a:xfrm>
+            <a:off x="838200" y="365125"/>
+            <a:ext cx="10450794" cy="1325563"/>
+          </a:xfrm>
+        </p:spPr>
+        <p:txBody>
+          <a:bodyPr/>
+          <a:lstStyle/>
+          <a:p>
+            <a:r>
+              <a:rPr lang="en-US" dirty="0"/>
+              <a:t>Task II - Bank</a:t>
+            </a:r>
+          </a:p>
+        </p:txBody>
+      </p:sp>
+      <p:sp>
+        <p:nvSpPr>
+          <p:cNvPr id="4" name="TextBox 3">
+            <a:extLst>
+              <a:ext uri="{FF2B5EF4-FFF2-40B4-BE49-F238E27FC236}">
+                <a16:creationId xmlns:a16="http://schemas.microsoft.com/office/drawing/2014/main" id="{64A47344-0611-AC23-04A9-CA46697B0954}"/>
+              </a:ext>
+            </a:extLst>
+          </p:cNvPr>
+          <p:cNvSpPr txBox="1"/>
+          <p:nvPr/>
+        </p:nvSpPr>
+        <p:spPr>
+          <a:xfrm>
+            <a:off x="838200" y="1690688"/>
+            <a:ext cx="10151310" cy="4524315"/>
+          </a:xfrm>
+          <a:prstGeom prst="rect">
+            <a:avLst/>
+          </a:prstGeom>
+          <a:noFill/>
+        </p:spPr>
+        <p:txBody>
+          <a:bodyPr wrap="square" rtlCol="0">
+            <a:spAutoFit/>
+          </a:bodyPr>
+          <a:lstStyle/>
+          <a:p>
+            <a:pPr marL="342900" indent="-342900">
+              <a:buFont typeface="+mj-lt"/>
+              <a:buAutoNum type="arabicPeriod"/>
+            </a:pPr>
+            <a:r>
+              <a:rPr lang="en-US" sz="2400" dirty="0"/>
+              <a:t>Create a </a:t>
+            </a:r>
+            <a:r>
+              <a:rPr lang="en-US" sz="2400" dirty="0" err="1"/>
+              <a:t>BankAccount</a:t>
+            </a:r>
+            <a:r>
+              <a:rPr lang="en-US" sz="2400" dirty="0"/>
+              <a:t> class with:  </a:t>
+            </a:r>
+          </a:p>
+          <a:p>
+            <a:pPr marL="800100" lvl="1" indent="-342900">
+              <a:buFont typeface="Arial" panose="020B0604020202020204" pitchFamily="34" charset="0"/>
+              <a:buChar char="•"/>
+            </a:pPr>
+            <a:r>
+              <a:rPr lang="en-US" sz="2400" dirty="0"/>
+              <a:t>late String </a:t>
+            </a:r>
+            <a:r>
+              <a:rPr lang="en-US" sz="2400" dirty="0" err="1"/>
+              <a:t>accountNumber</a:t>
+            </a:r>
+            <a:r>
+              <a:rPr lang="en-US" sz="2400" dirty="0"/>
+              <a:t> (initialized after object creation) </a:t>
+            </a:r>
+          </a:p>
+          <a:p>
+            <a:pPr marL="800100" lvl="1" indent="-342900">
+              <a:buFont typeface="Arial" panose="020B0604020202020204" pitchFamily="34" charset="0"/>
+              <a:buChar char="•"/>
+            </a:pPr>
+            <a:r>
+              <a:rPr lang="en-US" sz="2400" dirty="0"/>
+              <a:t>required String </a:t>
+            </a:r>
+            <a:r>
+              <a:rPr lang="en-US" sz="2400" dirty="0" err="1"/>
+              <a:t>holderName</a:t>
+            </a:r>
+            <a:r>
+              <a:rPr lang="en-US" sz="2400" dirty="0"/>
+              <a:t> in constructor </a:t>
+            </a:r>
+          </a:p>
+          <a:p>
+            <a:pPr marL="800100" lvl="1" indent="-342900">
+              <a:buFont typeface="Arial" panose="020B0604020202020204" pitchFamily="34" charset="0"/>
+              <a:buChar char="•"/>
+            </a:pPr>
+            <a:r>
+              <a:rPr lang="en-US" sz="2400" dirty="0"/>
+              <a:t>double balance with default value of 0.0 String? </a:t>
+            </a:r>
+            <a:r>
+              <a:rPr lang="en-US" sz="2400" dirty="0" err="1"/>
+              <a:t>bankBranch</a:t>
+            </a:r>
+            <a:r>
+              <a:rPr lang="en-US" sz="2400" dirty="0"/>
+              <a:t> (optional)   </a:t>
+            </a:r>
+          </a:p>
+          <a:p>
+            <a:pPr marL="342900" indent="-342900">
+              <a:buFont typeface="+mj-lt"/>
+              <a:buAutoNum type="arabicPeriod"/>
+            </a:pPr>
+            <a:endParaRPr lang="en-US" sz="2400" dirty="0"/>
+          </a:p>
+          <a:p>
+            <a:pPr marL="342900" indent="-342900">
+              <a:buFont typeface="+mj-lt"/>
+              <a:buAutoNum type="arabicPeriod"/>
+            </a:pPr>
+            <a:r>
+              <a:rPr lang="en-US" sz="2400" dirty="0"/>
+              <a:t>Create a method </a:t>
+            </a:r>
+            <a:r>
+              <a:rPr lang="en-US" sz="2400" dirty="0" err="1"/>
+              <a:t>initializeAccount</a:t>
+            </a:r>
+            <a:r>
+              <a:rPr lang="en-US" sz="2400" dirty="0"/>
+              <a:t>(String number) that sets the account number </a:t>
+            </a:r>
+          </a:p>
+          <a:p>
+            <a:pPr marL="342900" indent="-342900">
+              <a:buFont typeface="+mj-lt"/>
+              <a:buAutoNum type="arabicPeriod"/>
+            </a:pPr>
+            <a:r>
+              <a:rPr lang="en-US" sz="2400" dirty="0"/>
+              <a:t>Add validation to ensure account number is set before accessing it </a:t>
+            </a:r>
+          </a:p>
+          <a:p>
+            <a:pPr marL="342900" indent="-342900">
+              <a:buFont typeface="+mj-lt"/>
+              <a:buAutoNum type="arabicPeriod"/>
+            </a:pPr>
+            <a:r>
+              <a:rPr lang="en-US" sz="2400" dirty="0"/>
+              <a:t>Create multiple bank accounts and display their information in a </a:t>
+            </a:r>
+            <a:r>
+              <a:rPr lang="en-US" sz="2400" dirty="0" err="1"/>
+              <a:t>ListView</a:t>
+            </a:r>
+            <a:endParaRPr lang="en-US" sz="2400" dirty="0"/>
+          </a:p>
+          <a:p>
+            <a:pPr marL="342900" indent="-342900">
+              <a:buFont typeface="+mj-lt"/>
+              <a:buAutoNum type="arabicPeriod"/>
+            </a:pPr>
+            <a:r>
+              <a:rPr lang="en-US" sz="2400" dirty="0"/>
+              <a:t>Handle the case where someone tries to access account number before initialization.</a:t>
+            </a:r>
+          </a:p>
+        </p:txBody>
+      </p:sp>
+    </p:spTree>
+    <p:extLst>
+      <p:ext uri="{BB962C8B-B14F-4D97-AF65-F5344CB8AC3E}">
+        <p14:creationId xmlns:p14="http://schemas.microsoft.com/office/powerpoint/2010/main" val="3016332189"/>
+      </p:ext>
+    </p:extLst>
+  </p:cSld>
+  <p:clrMapOvr>
+    <a:masterClrMapping/>
+  </p:clrMapOvr>
+</p:sld>
+</file>
+
+<file path=ppt/slides/slide4.xml><?xml version="1.0" encoding="utf-8"?>
+<p:sld xmlns:a="http://schemas.openxmlformats.org/drawingml/2006/main" xmlns:r="http://schemas.openxmlformats.org/officeDocument/2006/relationships" xmlns:p="http://schemas.openxmlformats.org/presentationml/2006/main">
+  <p:cSld>
+    <p:spTree>
+      <p:nvGrpSpPr>
+        <p:cNvPr id="1" name="">
+          <a:extLst>
+            <a:ext uri="{FF2B5EF4-FFF2-40B4-BE49-F238E27FC236}">
+              <a16:creationId xmlns:a16="http://schemas.microsoft.com/office/drawing/2014/main" id="{242E8F3D-95B3-1B0A-5D4E-BA8CB0D1599A}"/>
+            </a:ext>
+          </a:extLst>
+        </p:cNvPr>
+        <p:cNvGrpSpPr/>
+        <p:nvPr/>
+      </p:nvGrpSpPr>
+      <p:grpSpPr>
+        <a:xfrm>
+          <a:off x="0" y="0"/>
+          <a:ext cx="0" cy="0"/>
+          <a:chOff x="0" y="0"/>
+          <a:chExt cx="0" cy="0"/>
+        </a:xfrm>
+      </p:grpSpPr>
+      <p:sp>
+        <p:nvSpPr>
+          <p:cNvPr id="2" name="Title 1">
+            <a:extLst>
+              <a:ext uri="{FF2B5EF4-FFF2-40B4-BE49-F238E27FC236}">
+                <a16:creationId xmlns:a16="http://schemas.microsoft.com/office/drawing/2014/main" id="{4A9988C8-FA5D-2B19-29A2-DDA266BD8BFC}"/>
+              </a:ext>
+            </a:extLst>
+          </p:cNvPr>
+          <p:cNvSpPr>
+            <a:spLocks noGrp="1"/>
+          </p:cNvSpPr>
+          <p:nvPr>
+            <p:ph type="title"/>
+          </p:nvPr>
+        </p:nvSpPr>
+        <p:spPr>
+          <a:xfrm>
+            <a:off x="838200" y="365125"/>
+            <a:ext cx="10450794" cy="1325563"/>
+          </a:xfrm>
+        </p:spPr>
+        <p:txBody>
+          <a:bodyPr/>
+          <a:lstStyle/>
+          <a:p>
+            <a:r>
+              <a:rPr lang="en-US" dirty="0"/>
+              <a:t>Task III – Library management system</a:t>
+            </a:r>
+          </a:p>
+        </p:txBody>
+      </p:sp>
+      <p:sp>
+        <p:nvSpPr>
+          <p:cNvPr id="4" name="TextBox 3">
+            <a:extLst>
+              <a:ext uri="{FF2B5EF4-FFF2-40B4-BE49-F238E27FC236}">
+                <a16:creationId xmlns:a16="http://schemas.microsoft.com/office/drawing/2014/main" id="{04DF55C8-43FE-FC55-CBA8-1A38FCB9A21B}"/>
+              </a:ext>
+            </a:extLst>
+          </p:cNvPr>
+          <p:cNvSpPr txBox="1"/>
+          <p:nvPr/>
+        </p:nvSpPr>
+        <p:spPr>
+          <a:xfrm>
+            <a:off x="510363" y="1563098"/>
+            <a:ext cx="11557589" cy="5262979"/>
+          </a:xfrm>
+          <a:prstGeom prst="rect">
+            <a:avLst/>
+          </a:prstGeom>
+          <a:noFill/>
+        </p:spPr>
+        <p:txBody>
+          <a:bodyPr wrap="square" rtlCol="0">
+            <a:spAutoFit/>
+          </a:bodyPr>
+          <a:lstStyle/>
+          <a:p>
+            <a:pPr marL="742950" lvl="1" indent="-285750">
+              <a:buFont typeface="Arial" panose="020B0604020202020204" pitchFamily="34" charset="0"/>
+              <a:buChar char="•"/>
+            </a:pPr>
+            <a:r>
+              <a:rPr lang="en-US" sz="2400" dirty="0"/>
+              <a:t>Abstract </a:t>
+            </a:r>
+            <a:r>
+              <a:rPr lang="en-US" sz="2400" dirty="0" err="1"/>
+              <a:t>LibraryItem</a:t>
+            </a:r>
+            <a:r>
+              <a:rPr lang="en-US" sz="2400" dirty="0"/>
+              <a:t> class with: String title, String? author, </a:t>
+            </a:r>
+            <a:r>
+              <a:rPr lang="en-US" sz="2400" dirty="0" err="1"/>
+              <a:t>DateTime</a:t>
+            </a:r>
+            <a:r>
+              <a:rPr lang="en-US" sz="2400" dirty="0"/>
+              <a:t>? </a:t>
+            </a:r>
+            <a:r>
+              <a:rPr lang="en-US" sz="2400" dirty="0" err="1"/>
+              <a:t>publishDate</a:t>
+            </a:r>
+            <a:endParaRPr lang="en-US" sz="2400" dirty="0"/>
+          </a:p>
+          <a:p>
+            <a:pPr marL="742950" lvl="1" indent="-285750">
+              <a:buFont typeface="Arial" panose="020B0604020202020204" pitchFamily="34" charset="0"/>
+              <a:buChar char="•"/>
+            </a:pPr>
+            <a:r>
+              <a:rPr lang="en-US" sz="2400" dirty="0"/>
+              <a:t>Book class extending </a:t>
+            </a:r>
+            <a:r>
+              <a:rPr lang="en-US" sz="2400" dirty="0" err="1"/>
+              <a:t>LibraryItem</a:t>
+            </a:r>
+            <a:r>
+              <a:rPr lang="en-US" sz="2400" dirty="0"/>
+              <a:t> with: int? </a:t>
+            </a:r>
+            <a:r>
+              <a:rPr lang="en-US" sz="2400" dirty="0" err="1"/>
+              <a:t>pageCount</a:t>
+            </a:r>
+            <a:r>
+              <a:rPr lang="en-US" sz="2400" dirty="0"/>
+              <a:t>, String? </a:t>
+            </a:r>
+            <a:r>
+              <a:rPr lang="en-US" sz="2400" dirty="0" err="1"/>
+              <a:t>isbn</a:t>
+            </a:r>
+            <a:endParaRPr lang="en-US" sz="2400" dirty="0"/>
+          </a:p>
+          <a:p>
+            <a:pPr marL="742950" lvl="1" indent="-285750">
+              <a:buFont typeface="Arial" panose="020B0604020202020204" pitchFamily="34" charset="0"/>
+              <a:buChar char="•"/>
+            </a:pPr>
+            <a:r>
+              <a:rPr lang="en-US" sz="2400" dirty="0"/>
+              <a:t>Magazine class extending </a:t>
+            </a:r>
+            <a:r>
+              <a:rPr lang="en-US" sz="2400" dirty="0" err="1"/>
+              <a:t>LibraryItem</a:t>
+            </a:r>
+            <a:r>
+              <a:rPr lang="en-US" sz="2400" dirty="0"/>
+              <a:t> with: int? </a:t>
+            </a:r>
+            <a:r>
+              <a:rPr lang="en-US" sz="2400" dirty="0" err="1"/>
+              <a:t>issueNumber</a:t>
+            </a:r>
+            <a:r>
+              <a:rPr lang="en-US" sz="2400" dirty="0"/>
+              <a:t>, String? publisher</a:t>
+            </a:r>
+          </a:p>
+          <a:p>
+            <a:pPr marL="742950" lvl="1" indent="-285750">
+              <a:buFont typeface="Arial" panose="020B0604020202020204" pitchFamily="34" charset="0"/>
+              <a:buChar char="•"/>
+            </a:pPr>
+            <a:r>
+              <a:rPr lang="en-US" sz="2400" dirty="0"/>
+              <a:t>Library class managing collections with null-safe operations</a:t>
+            </a:r>
+          </a:p>
+          <a:p>
+            <a:pPr marL="742950" lvl="1" indent="-285750">
+              <a:buFont typeface="Arial" panose="020B0604020202020204" pitchFamily="34" charset="0"/>
+              <a:buChar char="•"/>
+            </a:pPr>
+            <a:endParaRPr lang="en-US" sz="2400" dirty="0"/>
+          </a:p>
+          <a:p>
+            <a:pPr marL="742950" lvl="1" indent="-285750">
+              <a:buFont typeface="Arial" panose="020B0604020202020204" pitchFamily="34" charset="0"/>
+              <a:buChar char="•"/>
+            </a:pPr>
+            <a:r>
+              <a:rPr lang="en-US" sz="2400" dirty="0" err="1"/>
+              <a:t>searchByTitle</a:t>
+            </a:r>
+            <a:r>
+              <a:rPr lang="en-US" sz="2400" dirty="0"/>
+              <a:t>(String? query) - handle null search terms</a:t>
+            </a:r>
+          </a:p>
+          <a:p>
+            <a:pPr marL="742950" lvl="1" indent="-285750">
+              <a:buFont typeface="Arial" panose="020B0604020202020204" pitchFamily="34" charset="0"/>
+              <a:buChar char="•"/>
+            </a:pPr>
+            <a:r>
+              <a:rPr lang="en-US" sz="2400" dirty="0" err="1"/>
+              <a:t>getItemsByAuthor</a:t>
+            </a:r>
+            <a:r>
+              <a:rPr lang="en-US" sz="2400" dirty="0"/>
+              <a:t>(String? author) - find items by author</a:t>
+            </a:r>
+          </a:p>
+          <a:p>
+            <a:pPr marL="742950" lvl="1" indent="-285750">
+              <a:buFont typeface="Arial" panose="020B0604020202020204" pitchFamily="34" charset="0"/>
+              <a:buChar char="•"/>
+            </a:pPr>
+            <a:r>
+              <a:rPr lang="en-US" sz="2400" dirty="0" err="1"/>
+              <a:t>addItem</a:t>
+            </a:r>
+            <a:r>
+              <a:rPr lang="en-US" sz="2400" dirty="0"/>
+              <a:t>(</a:t>
+            </a:r>
+            <a:r>
+              <a:rPr lang="en-US" sz="2400" dirty="0" err="1"/>
+              <a:t>LibraryItem</a:t>
+            </a:r>
+            <a:r>
+              <a:rPr lang="en-US" sz="2400" dirty="0"/>
+              <a:t>? item) - validate before adding</a:t>
+            </a:r>
+          </a:p>
+          <a:p>
+            <a:pPr marL="742950" lvl="1" indent="-285750">
+              <a:buFont typeface="Arial" panose="020B0604020202020204" pitchFamily="34" charset="0"/>
+              <a:buChar char="•"/>
+            </a:pPr>
+            <a:r>
+              <a:rPr lang="en-US" sz="2400" dirty="0" err="1"/>
+              <a:t>getRecentItems</a:t>
+            </a:r>
+            <a:r>
+              <a:rPr lang="en-US" sz="2400" dirty="0"/>
+              <a:t>(int? count) - return recent items with default count</a:t>
+            </a:r>
+          </a:p>
+          <a:p>
+            <a:endParaRPr lang="en-US" sz="2400" dirty="0"/>
+          </a:p>
+          <a:p>
+            <a:r>
+              <a:rPr lang="en-US" sz="2400" dirty="0"/>
+              <a:t>Implement a borrowing system where items can have User? borrower and </a:t>
+            </a:r>
+            <a:r>
+              <a:rPr lang="en-US" sz="2400" dirty="0" err="1"/>
+              <a:t>DateTime</a:t>
+            </a:r>
+            <a:r>
+              <a:rPr lang="en-US" sz="2400" dirty="0"/>
+              <a:t>? </a:t>
+            </a:r>
+            <a:r>
+              <a:rPr lang="en-US" sz="2400" dirty="0" err="1"/>
+              <a:t>dueDate</a:t>
+            </a:r>
+            <a:r>
+              <a:rPr lang="en-US" sz="2400" dirty="0"/>
+              <a:t>.</a:t>
+            </a:r>
+          </a:p>
+          <a:p>
+            <a:pPr marL="342900" indent="-342900">
+              <a:buFont typeface="+mj-lt"/>
+              <a:buAutoNum type="arabicPeriod"/>
+            </a:pPr>
+            <a:endParaRPr lang="en-US" sz="2400" dirty="0"/>
+          </a:p>
+        </p:txBody>
+      </p:sp>
+    </p:spTree>
+    <p:extLst>
+      <p:ext uri="{BB962C8B-B14F-4D97-AF65-F5344CB8AC3E}">
+        <p14:creationId xmlns:p14="http://schemas.microsoft.com/office/powerpoint/2010/main" val="80753441"/>
       </p:ext>
     </p:extLst>
   </p:cSld>
